--- a/APS.pptx
+++ b/APS.pptx
@@ -214,7 +214,7 @@
           <a:p>
             <a:fld id="{FDD5CFAA-23C4-42CD-BE80-F1E2D05491D0}" type="datetimeFigureOut">
               <a:rPr lang="en-US" smtClean="0"/>
-              <a:t>12/10/2017</a:t>
+              <a:t>12/16/2017</a:t>
             </a:fld>
             <a:endParaRPr lang="en-US"/>
           </a:p>
@@ -14328,12 +14328,12 @@
               <a:t>Posting an example to other countries, </a:t>
             </a:r>
             <a:r>
-              <a:rPr lang="en-GB" dirty="0" err="1" smtClean="0">
+              <a:rPr lang="en-GB" dirty="0">
                 <a:solidFill>
                   <a:schemeClr val="accent2"/>
                 </a:solidFill>
               </a:rPr>
-              <a:t>europe</a:t>
+              <a:t>E</a:t>
             </a:r>
             <a:r>
               <a:rPr lang="en-GB" dirty="0" smtClean="0">
@@ -14341,8 +14341,13 @@
                   <a:schemeClr val="accent2"/>
                 </a:solidFill>
               </a:rPr>
-              <a:t>-wide</a:t>
+              <a:t>urope-wide</a:t>
             </a:r>
+            <a:endParaRPr lang="en-GB" dirty="0" smtClean="0">
+              <a:solidFill>
+                <a:schemeClr val="accent2"/>
+              </a:solidFill>
+            </a:endParaRPr>
           </a:p>
           <a:p>
             <a:endParaRPr lang="en-GB" dirty="0" smtClean="0">
@@ -16913,7 +16918,7 @@
             <p:ph idx="1"/>
             <p:extLst>
               <p:ext uri="{D42A27DB-BD31-4B8C-83A1-F6EECF244321}">
-                <p14:modId xmlns:p14="http://schemas.microsoft.com/office/powerpoint/2010/main" val="3824036527"/>
+                <p14:modId xmlns:p14="http://schemas.microsoft.com/office/powerpoint/2010/main" val="1385302136"/>
               </p:ext>
             </p:extLst>
           </p:nvPr>
@@ -17381,7 +17386,7 @@
                         <a:buNone/>
                       </a:pPr>
                       <a:r>
-                        <a:rPr lang="en-GB" sz="1800" b="1" kern="1200" dirty="0">
+                        <a:rPr lang="en-GB" sz="1800" b="1" kern="1200" dirty="0" smtClean="0">
                           <a:solidFill>
                             <a:schemeClr val="accent2">
                               <a:lumMod val="75000"/>
@@ -17391,7 +17396,7 @@
                           <a:ea typeface="Times New Roman" panose="02020603050405020304" pitchFamily="18" charset="0"/>
                           <a:cs typeface="Arial" panose="020B0604020202020204" pitchFamily="34" charset="0"/>
                         </a:rPr>
-                        <a:t>ETF</a:t>
+                        <a:t>EED</a:t>
                       </a:r>
                       <a:endParaRPr lang="en-US" sz="1800" b="1" kern="1200" dirty="0">
                         <a:solidFill>
@@ -23845,7 +23850,7 @@
             <p:ph idx="1"/>
             <p:extLst>
               <p:ext uri="{D42A27DB-BD31-4B8C-83A1-F6EECF244321}">
-                <p14:modId xmlns:p14="http://schemas.microsoft.com/office/powerpoint/2010/main" val="780842778"/>
+                <p14:modId xmlns:p14="http://schemas.microsoft.com/office/powerpoint/2010/main" val="266953867"/>
               </p:ext>
             </p:extLst>
           </p:nvPr>
@@ -24956,12 +24961,12 @@
                         </a:spcAft>
                       </a:pPr>
                       <a:r>
-                        <a:rPr lang="en-GB" sz="1100">
-                          <a:effectLst/>
-                        </a:rPr>
-                        <a:t>ETF</a:t>
-                      </a:r>
-                      <a:endParaRPr lang="en-US" sz="1600">
+                        <a:rPr lang="en-GB" sz="1100" dirty="0" smtClean="0">
+                          <a:effectLst/>
+                        </a:rPr>
+                        <a:t>EED</a:t>
+                      </a:r>
+                      <a:endParaRPr lang="en-US" sz="1600" dirty="0">
                         <a:effectLst/>
                         <a:latin typeface="Times New Roman" panose="02020603050405020304" pitchFamily="18" charset="0"/>
                         <a:ea typeface="Times New Roman" panose="02020603050405020304" pitchFamily="18" charset="0"/>

--- a/APS.pptx
+++ b/APS.pptx
@@ -10173,7 +10173,7 @@
                         </a:spcAft>
                       </a:pPr>
                       <a:r>
-                        <a:rPr lang="en-GB" sz="1200">
+                        <a:rPr lang="en-GB" sz="1200" dirty="0">
                           <a:solidFill>
                             <a:schemeClr val="accent2"/>
                           </a:solidFill>
@@ -10181,7 +10181,7 @@
                         </a:rPr>
                         <a:t>Checking if list of all possible problems on Serbian roads is made properly</a:t>
                       </a:r>
-                      <a:endParaRPr lang="en-US" sz="1200">
+                      <a:endParaRPr lang="en-US" sz="1200" dirty="0">
                         <a:solidFill>
                           <a:schemeClr val="accent2"/>
                         </a:solidFill>
@@ -14343,11 +14343,6 @@
               </a:rPr>
               <a:t>urope-wide</a:t>
             </a:r>
-            <a:endParaRPr lang="en-GB" dirty="0" smtClean="0">
-              <a:solidFill>
-                <a:schemeClr val="accent2"/>
-              </a:solidFill>
-            </a:endParaRPr>
           </a:p>
           <a:p>
             <a:endParaRPr lang="en-GB" dirty="0" smtClean="0">
@@ -16918,7 +16913,7 @@
             <p:ph idx="1"/>
             <p:extLst>
               <p:ext uri="{D42A27DB-BD31-4B8C-83A1-F6EECF244321}">
-                <p14:modId xmlns:p14="http://schemas.microsoft.com/office/powerpoint/2010/main" val="1385302136"/>
+                <p14:modId xmlns:p14="http://schemas.microsoft.com/office/powerpoint/2010/main" val="3032501504"/>
               </p:ext>
             </p:extLst>
           </p:nvPr>
@@ -17265,7 +17260,7 @@
                         <a:buNone/>
                       </a:pPr>
                       <a:r>
-                        <a:rPr lang="en-GB" sz="1800" b="1" kern="1200" dirty="0">
+                        <a:rPr lang="en-GB" sz="1800" b="1" kern="1200" dirty="0" smtClean="0">
                           <a:solidFill>
                             <a:schemeClr val="accent2">
                               <a:lumMod val="75000"/>
@@ -17275,7 +17270,7 @@
                           <a:ea typeface="Times New Roman" panose="02020603050405020304" pitchFamily="18" charset="0"/>
                           <a:cs typeface="Arial" panose="020B0604020202020204" pitchFamily="34" charset="0"/>
                         </a:rPr>
-                        <a:t>Serbia</a:t>
+                        <a:t>Germany</a:t>
                       </a:r>
                       <a:endParaRPr lang="en-US" sz="1800" b="1" kern="1200" dirty="0">
                         <a:solidFill>
@@ -17439,7 +17434,7 @@
                         <a:buNone/>
                       </a:pPr>
                       <a:r>
-                        <a:rPr lang="en-GB" sz="1800" b="1" kern="1200" dirty="0">
+                        <a:rPr lang="en-GB" sz="1800" b="1" kern="1200" dirty="0" smtClean="0">
                           <a:solidFill>
                             <a:schemeClr val="accent2">
                               <a:lumMod val="75000"/>
@@ -17449,7 +17444,7 @@
                           <a:ea typeface="Times New Roman" panose="02020603050405020304" pitchFamily="18" charset="0"/>
                           <a:cs typeface="Arial" panose="020B0604020202020204" pitchFamily="34" charset="0"/>
                         </a:rPr>
-                        <a:t>Serbia</a:t>
+                        <a:t>Netherlands</a:t>
                       </a:r>
                       <a:endParaRPr lang="en-US" sz="1800" b="1" kern="1200" dirty="0">
                         <a:solidFill>
@@ -25103,12 +25098,12 @@
                         </a:spcAft>
                       </a:pPr>
                       <a:r>
-                        <a:rPr lang="en-GB" sz="1100">
+                        <a:rPr lang="en-GB" sz="1100" dirty="0">
                           <a:effectLst/>
                         </a:rPr>
                         <a:t>Detailed study on road conditions in Serbia</a:t>
                       </a:r>
-                      <a:endParaRPr lang="en-US" sz="1200">
+                      <a:endParaRPr lang="en-US" sz="1200" dirty="0">
                         <a:effectLst/>
                         <a:latin typeface="Times New Roman" panose="02020603050405020304" pitchFamily="18" charset="0"/>
                         <a:ea typeface="Times New Roman" panose="02020603050405020304" pitchFamily="18" charset="0"/>
